--- a/presentaciones/Modulo 8 Probando API con Swagger .pptx
+++ b/presentaciones/Modulo 8 Probando API con Swagger .pptx
@@ -206,7 +206,7 @@
           <a:p>
             <a:fld id="{31883973-34F4-45B3-AE98-C712C5DCC499}" type="datetimeFigureOut">
               <a:rPr lang="es-PE" smtClean="0"/>
-              <a:t>20/04/2025</a:t>
+              <a:t>6/05/2025</a:t>
             </a:fld>
             <a:endParaRPr lang="es-PE"/>
           </a:p>
@@ -785,7 +785,7 @@
           <a:p>
             <a:fld id="{9947E4B7-F257-4C4C-887E-FAB8D4174B66}" type="datetimeFigureOut">
               <a:rPr lang="es-PE" smtClean="0"/>
-              <a:t>20/04/2025</a:t>
+              <a:t>6/05/2025</a:t>
             </a:fld>
             <a:endParaRPr lang="es-PE"/>
           </a:p>
@@ -1200,7 +1200,7 @@
           <a:p>
             <a:fld id="{9947E4B7-F257-4C4C-887E-FAB8D4174B66}" type="datetimeFigureOut">
               <a:rPr lang="es-PE" smtClean="0"/>
-              <a:t>20/04/2025</a:t>
+              <a:t>6/05/2025</a:t>
             </a:fld>
             <a:endParaRPr lang="es-PE"/>
           </a:p>
@@ -1410,7 +1410,7 @@
           <a:p>
             <a:fld id="{9947E4B7-F257-4C4C-887E-FAB8D4174B66}" type="datetimeFigureOut">
               <a:rPr lang="es-PE" smtClean="0"/>
-              <a:t>20/04/2025</a:t>
+              <a:t>6/05/2025</a:t>
             </a:fld>
             <a:endParaRPr lang="es-PE"/>
           </a:p>
@@ -1618,7 +1618,7 @@
           <a:p>
             <a:fld id="{9947E4B7-F257-4C4C-887E-FAB8D4174B66}" type="datetimeFigureOut">
               <a:rPr lang="es-PE" smtClean="0"/>
-              <a:t>20/04/2025</a:t>
+              <a:t>6/05/2025</a:t>
             </a:fld>
             <a:endParaRPr lang="es-PE"/>
           </a:p>
@@ -2109,7 +2109,7 @@
           <a:p>
             <a:fld id="{9947E4B7-F257-4C4C-887E-FAB8D4174B66}" type="datetimeFigureOut">
               <a:rPr lang="es-PE" smtClean="0"/>
-              <a:t>20/04/2025</a:t>
+              <a:t>6/05/2025</a:t>
             </a:fld>
             <a:endParaRPr lang="es-PE"/>
           </a:p>
@@ -2592,7 +2592,7 @@
           <a:p>
             <a:fld id="{9947E4B7-F257-4C4C-887E-FAB8D4174B66}" type="datetimeFigureOut">
               <a:rPr lang="es-PE" smtClean="0"/>
-              <a:t>20/04/2025</a:t>
+              <a:t>6/05/2025</a:t>
             </a:fld>
             <a:endParaRPr lang="es-PE"/>
           </a:p>
@@ -3007,7 +3007,7 @@
           <a:p>
             <a:fld id="{9947E4B7-F257-4C4C-887E-FAB8D4174B66}" type="datetimeFigureOut">
               <a:rPr lang="es-PE" smtClean="0"/>
-              <a:t>20/04/2025</a:t>
+              <a:t>6/05/2025</a:t>
             </a:fld>
             <a:endParaRPr lang="es-PE"/>
           </a:p>
@@ -3149,7 +3149,7 @@
           <a:p>
             <a:fld id="{9947E4B7-F257-4C4C-887E-FAB8D4174B66}" type="datetimeFigureOut">
               <a:rPr lang="es-PE" smtClean="0"/>
-              <a:t>20/04/2025</a:t>
+              <a:t>6/05/2025</a:t>
             </a:fld>
             <a:endParaRPr lang="es-PE"/>
           </a:p>
@@ -3262,7 +3262,7 @@
           <a:p>
             <a:fld id="{9947E4B7-F257-4C4C-887E-FAB8D4174B66}" type="datetimeFigureOut">
               <a:rPr lang="es-PE" smtClean="0"/>
-              <a:t>20/04/2025</a:t>
+              <a:t>6/05/2025</a:t>
             </a:fld>
             <a:endParaRPr lang="es-PE"/>
           </a:p>
@@ -3575,7 +3575,7 @@
           <a:p>
             <a:fld id="{9947E4B7-F257-4C4C-887E-FAB8D4174B66}" type="datetimeFigureOut">
               <a:rPr lang="es-PE" smtClean="0"/>
-              <a:t>20/04/2025</a:t>
+              <a:t>6/05/2025</a:t>
             </a:fld>
             <a:endParaRPr lang="es-PE"/>
           </a:p>
@@ -3868,7 +3868,7 @@
           <a:p>
             <a:fld id="{9947E4B7-F257-4C4C-887E-FAB8D4174B66}" type="datetimeFigureOut">
               <a:rPr lang="es-PE" smtClean="0"/>
-              <a:t>20/04/2025</a:t>
+              <a:t>6/05/2025</a:t>
             </a:fld>
             <a:endParaRPr lang="es-PE"/>
           </a:p>
@@ -4111,7 +4111,7 @@
           <a:p>
             <a:fld id="{9947E4B7-F257-4C4C-887E-FAB8D4174B66}" type="datetimeFigureOut">
               <a:rPr lang="es-PE" smtClean="0"/>
-              <a:t>20/04/2025</a:t>
+              <a:t>6/05/2025</a:t>
             </a:fld>
             <a:endParaRPr lang="es-PE"/>
           </a:p>
@@ -5492,8 +5492,8 @@
               <a:t>Generar documentación </a:t>
             </a:r>
             <a:r>
-              <a:rPr lang="es-ES" dirty="0" err="1"/>
-              <a:t>OpenAPI</a:t>
+              <a:rPr lang="es-ES" b="1" dirty="0"/>
+              <a:t>Open API</a:t>
             </a:r>
             <a:r>
               <a:rPr lang="es-ES" dirty="0"/>
@@ -5603,10 +5603,9 @@
           </a:p>
           <a:p>
             <a:r>
-              <a:rPr lang="es-PE" dirty="0" err="1"/>
-              <a:t>OpenAPI</a:t>
-            </a:r>
-            <a:endParaRPr lang="es-PE" dirty="0"/>
+              <a:rPr lang="es-PE" dirty="0"/>
+              <a:t>Open API</a:t>
+            </a:r>
           </a:p>
         </p:txBody>
       </p:sp>
@@ -6360,16 +6359,8 @@
               <a:t>Puedes exportar la definición </a:t>
             </a:r>
             <a:r>
-              <a:rPr lang="es-ES" dirty="0" err="1"/>
-              <a:t>OpenAPI</a:t>
-            </a:r>
-            <a:r>
-              <a:rPr lang="es-ES" dirty="0"/>
-              <a:t> </a:t>
-            </a:r>
-            <a:r>
               <a:rPr lang="es-ES" b="1" dirty="0"/>
-              <a:t>(/v3/api-</a:t>
+              <a:t>Open API (/v3/api-</a:t>
             </a:r>
             <a:r>
               <a:rPr lang="es-ES" b="1" dirty="0" err="1"/>
@@ -6377,7 +6368,15 @@
             </a:r>
             <a:r>
               <a:rPr lang="es-ES" dirty="0"/>
-              <a:t>) para usarla con Swagger Codegen.</a:t>
+              <a:t>) para usarla con </a:t>
+            </a:r>
+            <a:r>
+              <a:rPr lang="es-ES" b="1" dirty="0"/>
+              <a:t>Swagger Codegen</a:t>
+            </a:r>
+            <a:r>
+              <a:rPr lang="es-ES" dirty="0"/>
+              <a:t>.</a:t>
             </a:r>
             <a:endParaRPr lang="es-PE" dirty="0"/>
           </a:p>
